--- a/cache/70bca0cc-c117-427e-b0be-4df7299ebeb6/71_6.pptx
+++ b/cache/70bca0cc-c117-427e-b0be-4df7299ebeb6/71_6.pptx
@@ -64,7 +64,7 @@
         <p:txBody>
           <a:bodyPr/>
           <a:p>
-            <a:fld id="{F2A9D03B-6CCC-4406-B04A-2FA5F1EB5692}" type="slidenum">
+            <a:fld id="{74F5B361-4368-4F63-9CBB-245F5E7CFEB2}" type="slidenum">
               <a:t>&lt;#&gt;</a:t>
             </a:fld>
           </a:p>
@@ -252,7 +252,7 @@
         <p:txBody>
           <a:bodyPr/>
           <a:p>
-            <a:fld id="{8F525625-5BC1-45BA-9DFF-5AB5FC8DF5DA}" type="slidenum">
+            <a:fld id="{171811B3-64E5-4FA1-A762-67147216F26E}" type="slidenum">
               <a:t>&lt;#&gt;</a:t>
             </a:fld>
           </a:p>
@@ -508,7 +508,7 @@
         <p:txBody>
           <a:bodyPr/>
           <a:p>
-            <a:fld id="{4654CF18-A66A-4E36-BC03-136DFF2C4448}" type="slidenum">
+            <a:fld id="{9535A340-1C8F-45DF-9725-98ADF92B2D14}" type="slidenum">
               <a:t>&lt;#&gt;</a:t>
             </a:fld>
           </a:p>
@@ -832,7 +832,7 @@
         <p:txBody>
           <a:bodyPr/>
           <a:p>
-            <a:fld id="{4E4CB037-8CA5-4267-8A46-1783E7EA22C3}" type="slidenum">
+            <a:fld id="{19F2DB3B-9C4F-4BF8-8081-B78487EC5C5A}" type="slidenum">
               <a:t>&lt;#&gt;</a:t>
             </a:fld>
           </a:p>
@@ -989,7 +989,7 @@
         <p:txBody>
           <a:bodyPr/>
           <a:p>
-            <a:fld id="{14FCE7E3-988E-4793-ACD0-B2B06504CFC8}" type="slidenum">
+            <a:fld id="{C3D636AF-E667-4440-B83C-ECB46A9A500F}" type="slidenum">
               <a:t>&lt;#&gt;</a:t>
             </a:fld>
           </a:p>
@@ -1143,7 +1143,7 @@
         <p:txBody>
           <a:bodyPr/>
           <a:p>
-            <a:fld id="{D0D374F0-A286-4CE6-89C2-D21EC52F1E97}" type="slidenum">
+            <a:fld id="{55B00DAA-0F08-4112-9E63-6E489B6A0FB0}" type="slidenum">
               <a:t>&lt;#&gt;</a:t>
             </a:fld>
           </a:p>
@@ -1331,7 +1331,7 @@
         <p:txBody>
           <a:bodyPr/>
           <a:p>
-            <a:fld id="{FE3B8317-4AE1-4729-A9C5-09A122B14F97}" type="slidenum">
+            <a:fld id="{FF3DA3DB-1483-473D-8AE7-3CB446F2EE8E}" type="slidenum">
               <a:t>&lt;#&gt;</a:t>
             </a:fld>
           </a:p>
@@ -1451,7 +1451,7 @@
         <p:txBody>
           <a:bodyPr/>
           <a:p>
-            <a:fld id="{AF90DE3C-0BAF-468F-A6F4-D32D8B73EDDB}" type="slidenum">
+            <a:fld id="{5BBF8B45-9A76-40AC-B7B1-7DF76246AB0D}" type="slidenum">
               <a:t>&lt;#&gt;</a:t>
             </a:fld>
           </a:p>
@@ -1571,7 +1571,7 @@
         <p:txBody>
           <a:bodyPr/>
           <a:p>
-            <a:fld id="{01C70441-9792-4F50-AE09-7A51A8AA729F}" type="slidenum">
+            <a:fld id="{9E172F47-6F00-431D-AB64-6070AC6FCCBF}" type="slidenum">
               <a:t>&lt;#&gt;</a:t>
             </a:fld>
           </a:p>
@@ -1793,7 +1793,7 @@
         <p:txBody>
           <a:bodyPr/>
           <a:p>
-            <a:fld id="{A9D47660-31E6-497F-9C6D-C9FA103E0E91}" type="slidenum">
+            <a:fld id="{A59103B1-E15C-4494-AB0F-2D0C2895A29D}" type="slidenum">
               <a:t>&lt;#&gt;</a:t>
             </a:fld>
           </a:p>
@@ -2015,7 +2015,7 @@
         <p:txBody>
           <a:bodyPr/>
           <a:p>
-            <a:fld id="{D2EBD689-FE22-400D-AFB0-59A342291C2B}" type="slidenum">
+            <a:fld id="{26608890-68D3-40EA-A280-DD71C6B7D47B}" type="slidenum">
               <a:t>&lt;#&gt;</a:t>
             </a:fld>
           </a:p>
@@ -2237,7 +2237,7 @@
         <p:txBody>
           <a:bodyPr/>
           <a:p>
-            <a:fld id="{041053A7-8E78-449B-B7BB-CDAFC1168F09}" type="slidenum">
+            <a:fld id="{205B8123-BDEC-4F03-99B3-25851620867A}" type="slidenum">
               <a:t>&lt;#&gt;</a:t>
             </a:fld>
           </a:p>
@@ -2398,7 +2398,7 @@
               </a:lnSpc>
               <a:buNone/>
             </a:pPr>
-            <a:fld id="{D93C56F1-081D-4CDE-BCF5-3024573C75B3}" type="slidenum">
+            <a:fld id="{766DB658-98D2-4DED-9E70-48227DB6A0A7}" type="slidenum">
               <a:rPr b="0" lang="en-US" sz="1200" spc="-1" strike="noStrike">
                 <a:solidFill>
                   <a:srgbClr val="8b8b8b"/>
